--- a/Entrega1/Entregable 1.pptx
+++ b/Entrega1/Entregable 1.pptx
@@ -17861,20 +17861,7 @@
                 <a:sym typeface="Open Sans"/>
                 <a:hlinkClick r:id="rId4" action="ppaction://hlinksldjump"/>
               </a:rPr>
-              <a:t>Especificaciones</a:t>
-            </a:r>
-            <a:r>
-              <a:rPr lang="es" sz="2000" b="1" u="sng">
-                <a:solidFill>
-                  <a:schemeClr val="hlink"/>
-                </a:solidFill>
-                <a:latin typeface="Open Sans"/>
-                <a:ea typeface="Open Sans"/>
-                <a:cs typeface="Open Sans"/>
-                <a:sym typeface="Open Sans"/>
-                <a:hlinkClick r:id="rId4" action="ppaction://hlinksldjump"/>
-              </a:rPr>
-              <a:t> de equipos</a:t>
+              <a:t>Especificaciones de equipos</a:t>
             </a:r>
             <a:endParaRPr sz="2000" b="1">
               <a:solidFill>
